--- a/BootCamp_FinalPres_v3.pptx
+++ b/BootCamp_FinalPres_v3.pptx
@@ -294,7 +294,7 @@
             <a:fld id="{6BFDE914-CC01-8547-8B29-D4936CD28FC0}" type="datetimeFigureOut">
               <a:rPr lang="en-US" smtClean="0"/>
               <a:pPr/>
-              <a:t>3/18/21</a:t>
+              <a:t>3/23/21</a:t>
             </a:fld>
             <a:endParaRPr lang="en-US"/>
           </a:p>
@@ -618,7 +618,7 @@
           <a:p>
             <a:fld id="{6BFDE914-CC01-8547-8B29-D4936CD28FC0}" type="datetimeFigureOut">
               <a:rPr lang="en-US" smtClean="0"/>
-              <a:t>3/18/21</a:t>
+              <a:t>3/23/21</a:t>
             </a:fld>
             <a:endParaRPr lang="en-US"/>
           </a:p>
@@ -826,7 +826,7 @@
           <a:p>
             <a:fld id="{6BFDE914-CC01-8547-8B29-D4936CD28FC0}" type="datetimeFigureOut">
               <a:rPr lang="en-US" smtClean="0"/>
-              <a:t>3/18/21</a:t>
+              <a:t>3/23/21</a:t>
             </a:fld>
             <a:endParaRPr lang="en-US"/>
           </a:p>
@@ -1087,7 +1087,7 @@
             <a:fld id="{6BFDE914-CC01-8547-8B29-D4936CD28FC0}" type="datetimeFigureOut">
               <a:rPr lang="en-US" smtClean="0"/>
               <a:pPr/>
-              <a:t>3/18/21</a:t>
+              <a:t>3/23/21</a:t>
             </a:fld>
             <a:endParaRPr lang="en-US"/>
           </a:p>
@@ -1424,7 +1424,7 @@
           <a:p>
             <a:fld id="{6BFDE914-CC01-8547-8B29-D4936CD28FC0}" type="datetimeFigureOut">
               <a:rPr lang="en-US" smtClean="0"/>
-              <a:t>3/18/21</a:t>
+              <a:t>3/23/21</a:t>
             </a:fld>
             <a:endParaRPr lang="en-US"/>
           </a:p>
@@ -1689,7 +1689,7 @@
           <a:p>
             <a:fld id="{6BFDE914-CC01-8547-8B29-D4936CD28FC0}" type="datetimeFigureOut">
               <a:rPr lang="en-US" smtClean="0"/>
-              <a:t>3/18/21</a:t>
+              <a:t>3/23/21</a:t>
             </a:fld>
             <a:endParaRPr lang="en-US"/>
           </a:p>
@@ -2101,7 +2101,7 @@
           <a:p>
             <a:fld id="{6BFDE914-CC01-8547-8B29-D4936CD28FC0}" type="datetimeFigureOut">
               <a:rPr lang="en-US" smtClean="0"/>
-              <a:t>3/18/21</a:t>
+              <a:t>3/23/21</a:t>
             </a:fld>
             <a:endParaRPr lang="en-US"/>
           </a:p>
@@ -2242,7 +2242,7 @@
           <a:p>
             <a:fld id="{6BFDE914-CC01-8547-8B29-D4936CD28FC0}" type="datetimeFigureOut">
               <a:rPr lang="en-US" smtClean="0"/>
-              <a:t>3/18/21</a:t>
+              <a:t>3/23/21</a:t>
             </a:fld>
             <a:endParaRPr lang="en-US"/>
           </a:p>
@@ -2355,7 +2355,7 @@
           <a:p>
             <a:fld id="{6BFDE914-CC01-8547-8B29-D4936CD28FC0}" type="datetimeFigureOut">
               <a:rPr lang="en-US" smtClean="0"/>
-              <a:t>3/18/21</a:t>
+              <a:t>3/23/21</a:t>
             </a:fld>
             <a:endParaRPr lang="en-US"/>
           </a:p>
@@ -2666,7 +2666,7 @@
           <a:p>
             <a:fld id="{6BFDE914-CC01-8547-8B29-D4936CD28FC0}" type="datetimeFigureOut">
               <a:rPr lang="en-US" smtClean="0"/>
-              <a:t>3/18/21</a:t>
+              <a:t>3/23/21</a:t>
             </a:fld>
             <a:endParaRPr lang="en-US"/>
           </a:p>
@@ -2954,7 +2954,7 @@
           <a:p>
             <a:fld id="{6BFDE914-CC01-8547-8B29-D4936CD28FC0}" type="datetimeFigureOut">
               <a:rPr lang="en-US" smtClean="0"/>
-              <a:t>3/18/21</a:t>
+              <a:t>3/23/21</a:t>
             </a:fld>
             <a:endParaRPr lang="en-US"/>
           </a:p>
@@ -3195,7 +3195,7 @@
           <a:p>
             <a:fld id="{6BFDE914-CC01-8547-8B29-D4936CD28FC0}" type="datetimeFigureOut">
               <a:rPr lang="en-US" smtClean="0"/>
-              <a:t>3/18/21</a:t>
+              <a:t>3/23/21</a:t>
             </a:fld>
             <a:endParaRPr lang="en-US"/>
           </a:p>
@@ -4802,6 +4802,80 @@
           </a:prstGeom>
         </p:spPr>
       </p:pic>
+      <p:sp>
+        <p:nvSpPr>
+          <p:cNvPr id="3" name="Rectangle 2">
+            <a:extLst>
+              <a:ext uri="{FF2B5EF4-FFF2-40B4-BE49-F238E27FC236}">
+                <a16:creationId xmlns:a16="http://schemas.microsoft.com/office/drawing/2014/main" id="{A31C57AF-6360-2046-B645-68989D7BA56A}"/>
+              </a:ext>
+            </a:extLst>
+          </p:cNvPr>
+          <p:cNvSpPr/>
+          <p:nvPr/>
+        </p:nvSpPr>
+        <p:spPr>
+          <a:xfrm>
+            <a:off x="10237022" y="0"/>
+            <a:ext cx="1954978" cy="2775098"/>
+          </a:xfrm>
+          <a:prstGeom prst="rect">
+            <a:avLst/>
+          </a:prstGeom>
+          <a:solidFill>
+            <a:srgbClr val="C00000"/>
+          </a:solidFill>
+          <a:ln>
+            <a:noFill/>
+          </a:ln>
+        </p:spPr>
+        <p:style>
+          <a:lnRef idx="2">
+            <a:schemeClr val="accent1">
+              <a:shade val="50000"/>
+            </a:schemeClr>
+          </a:lnRef>
+          <a:fillRef idx="1">
+            <a:schemeClr val="accent1"/>
+          </a:fillRef>
+          <a:effectRef idx="0">
+            <a:schemeClr val="accent1"/>
+          </a:effectRef>
+          <a:fontRef idx="minor">
+            <a:schemeClr val="lt1"/>
+          </a:fontRef>
+        </p:style>
+        <p:txBody>
+          <a:bodyPr rtlCol="0" anchor="ctr"/>
+          <a:lstStyle/>
+          <a:p>
+            <a:pPr algn="ctr"/>
+            <a:r>
+              <a:rPr lang="en-US" dirty="0"/>
+              <a:t>Kill </a:t>
+            </a:r>
+            <a:r>
+              <a:rPr lang="en-US" dirty="0" err="1"/>
+              <a:t>Tensorflow</a:t>
+            </a:r>
+            <a:r>
+              <a:rPr lang="en-US" dirty="0"/>
+              <a:t> &amp; TBD from step 6</a:t>
+            </a:r>
+          </a:p>
+          <a:p>
+            <a:pPr algn="ctr"/>
+            <a:endParaRPr lang="en-US" dirty="0"/>
+          </a:p>
+          <a:p>
+            <a:pPr algn="ctr"/>
+            <a:r>
+              <a:rPr lang="en-US" dirty="0"/>
+              <a:t>&amp; add in Excel between steps 1 &amp; 2</a:t>
+            </a:r>
+          </a:p>
+        </p:txBody>
+      </p:sp>
     </p:spTree>
     <p:extLst>
       <p:ext uri="{BB962C8B-B14F-4D97-AF65-F5344CB8AC3E}">
@@ -5319,7 +5393,7 @@
           <a:p>
             <a:r>
               <a:rPr lang="en-US" dirty="0"/>
-              <a:t>Economic Noise Data</a:t>
+              <a:t>Economic Volatility</a:t>
             </a:r>
           </a:p>
         </p:txBody>
@@ -5354,6 +5428,69 @@
           </a:prstGeom>
         </p:spPr>
       </p:pic>
+      <p:sp>
+        <p:nvSpPr>
+          <p:cNvPr id="4" name="Rectangle 3">
+            <a:extLst>
+              <a:ext uri="{FF2B5EF4-FFF2-40B4-BE49-F238E27FC236}">
+                <a16:creationId xmlns:a16="http://schemas.microsoft.com/office/drawing/2014/main" id="{6A980B07-44F5-314A-AAE7-447DEF7B2F8A}"/>
+              </a:ext>
+            </a:extLst>
+          </p:cNvPr>
+          <p:cNvSpPr/>
+          <p:nvPr/>
+        </p:nvSpPr>
+        <p:spPr>
+          <a:xfrm>
+            <a:off x="10237022" y="0"/>
+            <a:ext cx="1954978" cy="770467"/>
+          </a:xfrm>
+          <a:prstGeom prst="rect">
+            <a:avLst/>
+          </a:prstGeom>
+          <a:solidFill>
+            <a:srgbClr val="C00000"/>
+          </a:solidFill>
+          <a:ln>
+            <a:noFill/>
+          </a:ln>
+        </p:spPr>
+        <p:style>
+          <a:lnRef idx="2">
+            <a:schemeClr val="accent1">
+              <a:shade val="50000"/>
+            </a:schemeClr>
+          </a:lnRef>
+          <a:fillRef idx="1">
+            <a:schemeClr val="accent1"/>
+          </a:fillRef>
+          <a:effectRef idx="0">
+            <a:schemeClr val="accent1"/>
+          </a:effectRef>
+          <a:fontRef idx="minor">
+            <a:schemeClr val="lt1"/>
+          </a:fontRef>
+        </p:style>
+        <p:txBody>
+          <a:bodyPr rtlCol="0" anchor="ctr"/>
+          <a:lstStyle/>
+          <a:p>
+            <a:pPr algn="ctr"/>
+            <a:r>
+              <a:rPr lang="en-US" dirty="0"/>
+              <a:t>Add in </a:t>
+            </a:r>
+            <a:r>
+              <a:rPr lang="en-US" dirty="0" err="1"/>
+              <a:t>horz</a:t>
+            </a:r>
+            <a:r>
+              <a:rPr lang="en-US" dirty="0"/>
+              <a:t> axis 2006 - 2020</a:t>
+            </a:r>
+          </a:p>
+        </p:txBody>
+      </p:sp>
     </p:spTree>
     <p:extLst>
       <p:ext uri="{BB962C8B-B14F-4D97-AF65-F5344CB8AC3E}">
@@ -5580,6 +5717,69 @@
           </a:xfrm>
         </p:spPr>
       </p:pic>
+      <p:sp>
+        <p:nvSpPr>
+          <p:cNvPr id="4" name="Rectangle 3">
+            <a:extLst>
+              <a:ext uri="{FF2B5EF4-FFF2-40B4-BE49-F238E27FC236}">
+                <a16:creationId xmlns:a16="http://schemas.microsoft.com/office/drawing/2014/main" id="{218FF7DC-30FA-0A4B-B91D-BDBC5CA366F0}"/>
+              </a:ext>
+            </a:extLst>
+          </p:cNvPr>
+          <p:cNvSpPr/>
+          <p:nvPr/>
+        </p:nvSpPr>
+        <p:spPr>
+          <a:xfrm>
+            <a:off x="10237022" y="0"/>
+            <a:ext cx="1954978" cy="770467"/>
+          </a:xfrm>
+          <a:prstGeom prst="rect">
+            <a:avLst/>
+          </a:prstGeom>
+          <a:solidFill>
+            <a:srgbClr val="C00000"/>
+          </a:solidFill>
+          <a:ln>
+            <a:noFill/>
+          </a:ln>
+        </p:spPr>
+        <p:style>
+          <a:lnRef idx="2">
+            <a:schemeClr val="accent1">
+              <a:shade val="50000"/>
+            </a:schemeClr>
+          </a:lnRef>
+          <a:fillRef idx="1">
+            <a:schemeClr val="accent1"/>
+          </a:fillRef>
+          <a:effectRef idx="0">
+            <a:schemeClr val="accent1"/>
+          </a:effectRef>
+          <a:fontRef idx="minor">
+            <a:schemeClr val="lt1"/>
+          </a:fontRef>
+        </p:style>
+        <p:txBody>
+          <a:bodyPr rtlCol="0" anchor="ctr"/>
+          <a:lstStyle/>
+          <a:p>
+            <a:pPr algn="ctr"/>
+            <a:r>
+              <a:rPr lang="en-US" dirty="0"/>
+              <a:t>Add update from </a:t>
+            </a:r>
+            <a:r>
+              <a:rPr lang="en-US" dirty="0" err="1"/>
+              <a:t>github</a:t>
+            </a:r>
+            <a:r>
+              <a:rPr lang="en-US" dirty="0"/>
+              <a:t> readme</a:t>
+            </a:r>
+          </a:p>
+        </p:txBody>
+      </p:sp>
     </p:spTree>
     <p:extLst>
       <p:ext uri="{BB962C8B-B14F-4D97-AF65-F5344CB8AC3E}">
@@ -5667,6 +5867,69 @@
           </a:xfrm>
         </p:spPr>
       </p:pic>
+      <p:sp>
+        <p:nvSpPr>
+          <p:cNvPr id="6" name="Rectangle 5">
+            <a:extLst>
+              <a:ext uri="{FF2B5EF4-FFF2-40B4-BE49-F238E27FC236}">
+                <a16:creationId xmlns:a16="http://schemas.microsoft.com/office/drawing/2014/main" id="{409F7A5A-7DEE-CD42-A543-77C5C01426AC}"/>
+              </a:ext>
+            </a:extLst>
+          </p:cNvPr>
+          <p:cNvSpPr/>
+          <p:nvPr/>
+        </p:nvSpPr>
+        <p:spPr>
+          <a:xfrm>
+            <a:off x="10237022" y="0"/>
+            <a:ext cx="1954978" cy="770467"/>
+          </a:xfrm>
+          <a:prstGeom prst="rect">
+            <a:avLst/>
+          </a:prstGeom>
+          <a:solidFill>
+            <a:srgbClr val="C00000"/>
+          </a:solidFill>
+          <a:ln>
+            <a:noFill/>
+          </a:ln>
+        </p:spPr>
+        <p:style>
+          <a:lnRef idx="2">
+            <a:schemeClr val="accent1">
+              <a:shade val="50000"/>
+            </a:schemeClr>
+          </a:lnRef>
+          <a:fillRef idx="1">
+            <a:schemeClr val="accent1"/>
+          </a:fillRef>
+          <a:effectRef idx="0">
+            <a:schemeClr val="accent1"/>
+          </a:effectRef>
+          <a:fontRef idx="minor">
+            <a:schemeClr val="lt1"/>
+          </a:fontRef>
+        </p:style>
+        <p:txBody>
+          <a:bodyPr rtlCol="0" anchor="ctr"/>
+          <a:lstStyle/>
+          <a:p>
+            <a:pPr algn="ctr"/>
+            <a:r>
+              <a:rPr lang="en-US" dirty="0"/>
+              <a:t>Add update from </a:t>
+            </a:r>
+            <a:r>
+              <a:rPr lang="en-US" dirty="0" err="1"/>
+              <a:t>github</a:t>
+            </a:r>
+            <a:r>
+              <a:rPr lang="en-US" dirty="0"/>
+              <a:t> readme</a:t>
+            </a:r>
+          </a:p>
+        </p:txBody>
+      </p:sp>
     </p:spTree>
     <p:extLst>
       <p:ext uri="{BB962C8B-B14F-4D97-AF65-F5344CB8AC3E}">

--- a/BootCamp_FinalPres_v3.pptx
+++ b/BootCamp_FinalPres_v3.pptx
@@ -11,10 +11,11 @@
     <p:sldId id="259" r:id="rId5"/>
     <p:sldId id="258" r:id="rId6"/>
     <p:sldId id="264" r:id="rId7"/>
-    <p:sldId id="265" r:id="rId8"/>
-    <p:sldId id="267" r:id="rId9"/>
-    <p:sldId id="266" r:id="rId10"/>
-    <p:sldId id="262" r:id="rId11"/>
+    <p:sldId id="268" r:id="rId8"/>
+    <p:sldId id="265" r:id="rId9"/>
+    <p:sldId id="267" r:id="rId10"/>
+    <p:sldId id="266" r:id="rId11"/>
+    <p:sldId id="262" r:id="rId12"/>
   </p:sldIdLst>
   <p:sldSz cx="12192000" cy="6858000"/>
   <p:notesSz cx="6858000" cy="9144000"/>
@@ -294,7 +295,7 @@
             <a:fld id="{6BFDE914-CC01-8547-8B29-D4936CD28FC0}" type="datetimeFigureOut">
               <a:rPr lang="en-US" smtClean="0"/>
               <a:pPr/>
-              <a:t>3/23/21</a:t>
+              <a:t>3/24/21</a:t>
             </a:fld>
             <a:endParaRPr lang="en-US"/>
           </a:p>
@@ -618,7 +619,7 @@
           <a:p>
             <a:fld id="{6BFDE914-CC01-8547-8B29-D4936CD28FC0}" type="datetimeFigureOut">
               <a:rPr lang="en-US" smtClean="0"/>
-              <a:t>3/23/21</a:t>
+              <a:t>3/24/21</a:t>
             </a:fld>
             <a:endParaRPr lang="en-US"/>
           </a:p>
@@ -826,7 +827,7 @@
           <a:p>
             <a:fld id="{6BFDE914-CC01-8547-8B29-D4936CD28FC0}" type="datetimeFigureOut">
               <a:rPr lang="en-US" smtClean="0"/>
-              <a:t>3/23/21</a:t>
+              <a:t>3/24/21</a:t>
             </a:fld>
             <a:endParaRPr lang="en-US"/>
           </a:p>
@@ -1087,7 +1088,7 @@
             <a:fld id="{6BFDE914-CC01-8547-8B29-D4936CD28FC0}" type="datetimeFigureOut">
               <a:rPr lang="en-US" smtClean="0"/>
               <a:pPr/>
-              <a:t>3/23/21</a:t>
+              <a:t>3/24/21</a:t>
             </a:fld>
             <a:endParaRPr lang="en-US"/>
           </a:p>
@@ -1424,7 +1425,7 @@
           <a:p>
             <a:fld id="{6BFDE914-CC01-8547-8B29-D4936CD28FC0}" type="datetimeFigureOut">
               <a:rPr lang="en-US" smtClean="0"/>
-              <a:t>3/23/21</a:t>
+              <a:t>3/24/21</a:t>
             </a:fld>
             <a:endParaRPr lang="en-US"/>
           </a:p>
@@ -1689,7 +1690,7 @@
           <a:p>
             <a:fld id="{6BFDE914-CC01-8547-8B29-D4936CD28FC0}" type="datetimeFigureOut">
               <a:rPr lang="en-US" smtClean="0"/>
-              <a:t>3/23/21</a:t>
+              <a:t>3/24/21</a:t>
             </a:fld>
             <a:endParaRPr lang="en-US"/>
           </a:p>
@@ -2101,7 +2102,7 @@
           <a:p>
             <a:fld id="{6BFDE914-CC01-8547-8B29-D4936CD28FC0}" type="datetimeFigureOut">
               <a:rPr lang="en-US" smtClean="0"/>
-              <a:t>3/23/21</a:t>
+              <a:t>3/24/21</a:t>
             </a:fld>
             <a:endParaRPr lang="en-US"/>
           </a:p>
@@ -2242,7 +2243,7 @@
           <a:p>
             <a:fld id="{6BFDE914-CC01-8547-8B29-D4936CD28FC0}" type="datetimeFigureOut">
               <a:rPr lang="en-US" smtClean="0"/>
-              <a:t>3/23/21</a:t>
+              <a:t>3/24/21</a:t>
             </a:fld>
             <a:endParaRPr lang="en-US"/>
           </a:p>
@@ -2355,7 +2356,7 @@
           <a:p>
             <a:fld id="{6BFDE914-CC01-8547-8B29-D4936CD28FC0}" type="datetimeFigureOut">
               <a:rPr lang="en-US" smtClean="0"/>
-              <a:t>3/23/21</a:t>
+              <a:t>3/24/21</a:t>
             </a:fld>
             <a:endParaRPr lang="en-US"/>
           </a:p>
@@ -2666,7 +2667,7 @@
           <a:p>
             <a:fld id="{6BFDE914-CC01-8547-8B29-D4936CD28FC0}" type="datetimeFigureOut">
               <a:rPr lang="en-US" smtClean="0"/>
-              <a:t>3/23/21</a:t>
+              <a:t>3/24/21</a:t>
             </a:fld>
             <a:endParaRPr lang="en-US"/>
           </a:p>
@@ -2954,7 +2955,7 @@
           <a:p>
             <a:fld id="{6BFDE914-CC01-8547-8B29-D4936CD28FC0}" type="datetimeFigureOut">
               <a:rPr lang="en-US" smtClean="0"/>
-              <a:t>3/23/21</a:t>
+              <a:t>3/24/21</a:t>
             </a:fld>
             <a:endParaRPr lang="en-US"/>
           </a:p>
@@ -3195,7 +3196,7 @@
           <a:p>
             <a:fld id="{6BFDE914-CC01-8547-8B29-D4936CD28FC0}" type="datetimeFigureOut">
               <a:rPr lang="en-US" smtClean="0"/>
-              <a:t>3/23/21</a:t>
+              <a:t>3/24/21</a:t>
             </a:fld>
             <a:endParaRPr lang="en-US"/>
           </a:p>
@@ -3722,7 +3723,7 @@
                   </a:schemeClr>
                 </a:solidFill>
               </a:rPr>
-              <a:t>, Matthew Stadler, Phil Schechter</a:t>
+              <a:t>, Phil Schechter, Matthew Stadler</a:t>
             </a:r>
           </a:p>
         </p:txBody>
@@ -3741,6 +3742,176 @@
 </file>
 
 <file path=ppt/slides/slide10.xml><?xml version="1.0" encoding="utf-8"?>
+<p:sld xmlns:a="http://schemas.openxmlformats.org/drawingml/2006/main" xmlns:r="http://schemas.openxmlformats.org/officeDocument/2006/relationships" xmlns:p="http://schemas.openxmlformats.org/presentationml/2006/main">
+  <p:cSld>
+    <p:spTree>
+      <p:nvGrpSpPr>
+        <p:cNvPr id="1" name=""/>
+        <p:cNvGrpSpPr/>
+        <p:nvPr/>
+      </p:nvGrpSpPr>
+      <p:grpSpPr>
+        <a:xfrm>
+          <a:off x="0" y="0"/>
+          <a:ext cx="0" cy="0"/>
+          <a:chOff x="0" y="0"/>
+          <a:chExt cx="0" cy="0"/>
+        </a:xfrm>
+      </p:grpSpPr>
+      <p:sp>
+        <p:nvSpPr>
+          <p:cNvPr id="2" name="Title 1">
+            <a:extLst>
+              <a:ext uri="{FF2B5EF4-FFF2-40B4-BE49-F238E27FC236}">
+                <a16:creationId xmlns:a16="http://schemas.microsoft.com/office/drawing/2014/main" id="{29C5EC0C-9351-854A-A0D3-D96163114CFE}"/>
+              </a:ext>
+            </a:extLst>
+          </p:cNvPr>
+          <p:cNvSpPr>
+            <a:spLocks noGrp="1"/>
+          </p:cNvSpPr>
+          <p:nvPr>
+            <p:ph type="title"/>
+          </p:nvPr>
+        </p:nvSpPr>
+        <p:spPr/>
+        <p:txBody>
+          <a:bodyPr/>
+          <a:lstStyle/>
+          <a:p>
+            <a:r>
+              <a:rPr lang="en-US" dirty="0"/>
+              <a:t>Decision Tree Outputs</a:t>
+            </a:r>
+          </a:p>
+        </p:txBody>
+      </p:sp>
+      <p:pic>
+        <p:nvPicPr>
+          <p:cNvPr id="8" name="Picture 7">
+            <a:extLst>
+              <a:ext uri="{FF2B5EF4-FFF2-40B4-BE49-F238E27FC236}">
+                <a16:creationId xmlns:a16="http://schemas.microsoft.com/office/drawing/2014/main" id="{BF293510-A2AC-3D44-913B-C6FF70E4D804}"/>
+              </a:ext>
+            </a:extLst>
+          </p:cNvPr>
+          <p:cNvPicPr>
+            <a:picLocks noChangeAspect="1"/>
+          </p:cNvPicPr>
+          <p:nvPr/>
+        </p:nvPicPr>
+        <p:blipFill>
+          <a:blip r:embed="rId2"/>
+          <a:stretch>
+            <a:fillRect/>
+          </a:stretch>
+        </p:blipFill>
+        <p:spPr>
+          <a:xfrm>
+            <a:off x="1212241" y="1526348"/>
+            <a:ext cx="9767517" cy="4502915"/>
+          </a:xfrm>
+          <a:prstGeom prst="rect">
+            <a:avLst/>
+          </a:prstGeom>
+        </p:spPr>
+      </p:pic>
+      <p:sp>
+        <p:nvSpPr>
+          <p:cNvPr id="9" name="TextBox 8">
+            <a:extLst>
+              <a:ext uri="{FF2B5EF4-FFF2-40B4-BE49-F238E27FC236}">
+                <a16:creationId xmlns:a16="http://schemas.microsoft.com/office/drawing/2014/main" id="{A46E0ADD-E38A-BB40-BE69-F46BFBDDDDE9}"/>
+              </a:ext>
+            </a:extLst>
+          </p:cNvPr>
+          <p:cNvSpPr txBox="1"/>
+          <p:nvPr/>
+        </p:nvSpPr>
+        <p:spPr>
+          <a:xfrm rot="16200000">
+            <a:off x="986055" y="2756177"/>
+            <a:ext cx="873957" cy="246221"/>
+          </a:xfrm>
+          <a:prstGeom prst="rect">
+            <a:avLst/>
+          </a:prstGeom>
+          <a:noFill/>
+        </p:spPr>
+        <p:txBody>
+          <a:bodyPr wrap="none" rtlCol="0">
+            <a:spAutoFit/>
+          </a:bodyPr>
+          <a:lstStyle/>
+          <a:p>
+            <a:r>
+              <a:rPr lang="en-US" sz="1000" dirty="0">
+                <a:solidFill>
+                  <a:schemeClr val="accent3">
+                    <a:lumMod val="75000"/>
+                  </a:schemeClr>
+                </a:solidFill>
+              </a:rPr>
+              <a:t>market share</a:t>
+            </a:r>
+          </a:p>
+        </p:txBody>
+      </p:sp>
+      <p:sp>
+        <p:nvSpPr>
+          <p:cNvPr id="10" name="TextBox 9">
+            <a:extLst>
+              <a:ext uri="{FF2B5EF4-FFF2-40B4-BE49-F238E27FC236}">
+                <a16:creationId xmlns:a16="http://schemas.microsoft.com/office/drawing/2014/main" id="{178976C2-28DB-B341-90BA-7637F3C3D6C7}"/>
+              </a:ext>
+            </a:extLst>
+          </p:cNvPr>
+          <p:cNvSpPr txBox="1"/>
+          <p:nvPr/>
+        </p:nvSpPr>
+        <p:spPr>
+          <a:xfrm rot="16200000">
+            <a:off x="898373" y="4587066"/>
+            <a:ext cx="873957" cy="246221"/>
+          </a:xfrm>
+          <a:prstGeom prst="rect">
+            <a:avLst/>
+          </a:prstGeom>
+          <a:noFill/>
+        </p:spPr>
+        <p:txBody>
+          <a:bodyPr wrap="none" rtlCol="0">
+            <a:spAutoFit/>
+          </a:bodyPr>
+          <a:lstStyle/>
+          <a:p>
+            <a:r>
+              <a:rPr lang="en-US" sz="1000" dirty="0">
+                <a:solidFill>
+                  <a:schemeClr val="accent3">
+                    <a:lumMod val="75000"/>
+                  </a:schemeClr>
+                </a:solidFill>
+              </a:rPr>
+              <a:t>market share</a:t>
+            </a:r>
+          </a:p>
+        </p:txBody>
+      </p:sp>
+    </p:spTree>
+    <p:extLst>
+      <p:ext uri="{BB962C8B-B14F-4D97-AF65-F5344CB8AC3E}">
+        <p14:creationId xmlns:p14="http://schemas.microsoft.com/office/powerpoint/2010/main" val="2707880587"/>
+      </p:ext>
+    </p:extLst>
+  </p:cSld>
+  <p:clrMapOvr>
+    <a:masterClrMapping/>
+  </p:clrMapOvr>
+</p:sld>
+</file>
+
+<file path=ppt/slides/slide11.xml><?xml version="1.0" encoding="utf-8"?>
 <p:sld xmlns:a="http://schemas.openxmlformats.org/drawingml/2006/main" xmlns:r="http://schemas.openxmlformats.org/officeDocument/2006/relationships" xmlns:p="http://schemas.openxmlformats.org/presentationml/2006/main">
   <p:cSld>
     <p:spTree>
@@ -4336,68 +4507,6 @@
           </a:p>
         </p:txBody>
       </p:sp>
-      <p:sp>
-        <p:nvSpPr>
-          <p:cNvPr id="11" name="Rectangle 10">
-            <a:extLst>
-              <a:ext uri="{FF2B5EF4-FFF2-40B4-BE49-F238E27FC236}">
-                <a16:creationId xmlns:a16="http://schemas.microsoft.com/office/drawing/2014/main" id="{CF5FCE35-972F-B341-AA65-084614DA3AFD}"/>
-              </a:ext>
-            </a:extLst>
-          </p:cNvPr>
-          <p:cNvSpPr/>
-          <p:nvPr/>
-        </p:nvSpPr>
-        <p:spPr>
-          <a:xfrm>
-            <a:off x="9190617" y="-10758"/>
-            <a:ext cx="3012141" cy="916366"/>
-          </a:xfrm>
-          <a:prstGeom prst="rect">
-            <a:avLst/>
-          </a:prstGeom>
-          <a:solidFill>
-            <a:srgbClr val="C00000"/>
-          </a:solidFill>
-          <a:ln>
-            <a:noFill/>
-          </a:ln>
-        </p:spPr>
-        <p:style>
-          <a:lnRef idx="2">
-            <a:schemeClr val="accent1">
-              <a:shade val="50000"/>
-            </a:schemeClr>
-          </a:lnRef>
-          <a:fillRef idx="1">
-            <a:schemeClr val="accent1"/>
-          </a:fillRef>
-          <a:effectRef idx="0">
-            <a:schemeClr val="accent1"/>
-          </a:effectRef>
-          <a:fontRef idx="minor">
-            <a:schemeClr val="lt1"/>
-          </a:fontRef>
-        </p:style>
-        <p:txBody>
-          <a:bodyPr rtlCol="0" anchor="ctr"/>
-          <a:lstStyle/>
-          <a:p>
-            <a:pPr algn="ctr"/>
-            <a:r>
-              <a:rPr lang="en-US" dirty="0"/>
-              <a:t>To wordsmith / get team input</a:t>
-            </a:r>
-          </a:p>
-          <a:p>
-            <a:pPr algn="ctr"/>
-            <a:r>
-              <a:rPr lang="en-US" dirty="0"/>
-              <a:t>Include evolution of project goal &amp; prelim. considerations</a:t>
-            </a:r>
-          </a:p>
-        </p:txBody>
-      </p:sp>
     </p:spTree>
     <p:extLst>
       <p:ext uri="{BB962C8B-B14F-4D97-AF65-F5344CB8AC3E}">
@@ -4774,10 +4883,10 @@
       </p:sp>
       <p:pic>
         <p:nvPicPr>
-          <p:cNvPr id="6" name="Picture 5">
-            <a:extLst>
-              <a:ext uri="{FF2B5EF4-FFF2-40B4-BE49-F238E27FC236}">
-                <a16:creationId xmlns:a16="http://schemas.microsoft.com/office/drawing/2014/main" id="{E1CA3AFF-8F71-374A-B429-4E052F280DC4}"/>
+          <p:cNvPr id="5" name="Picture 4">
+            <a:extLst>
+              <a:ext uri="{FF2B5EF4-FFF2-40B4-BE49-F238E27FC236}">
+                <a16:creationId xmlns:a16="http://schemas.microsoft.com/office/drawing/2014/main" id="{823FB8CE-D07C-064C-AD5D-5ACF99270ECA}"/>
               </a:ext>
             </a:extLst>
           </p:cNvPr>
@@ -4794,88 +4903,14 @@
         </p:blipFill>
         <p:spPr>
           <a:xfrm>
-            <a:off x="1954977" y="1458310"/>
-            <a:ext cx="8282045" cy="4789249"/>
+            <a:off x="1894653" y="1452355"/>
+            <a:ext cx="8402693" cy="4683697"/>
           </a:xfrm>
           <a:prstGeom prst="rect">
             <a:avLst/>
           </a:prstGeom>
         </p:spPr>
       </p:pic>
-      <p:sp>
-        <p:nvSpPr>
-          <p:cNvPr id="3" name="Rectangle 2">
-            <a:extLst>
-              <a:ext uri="{FF2B5EF4-FFF2-40B4-BE49-F238E27FC236}">
-                <a16:creationId xmlns:a16="http://schemas.microsoft.com/office/drawing/2014/main" id="{A31C57AF-6360-2046-B645-68989D7BA56A}"/>
-              </a:ext>
-            </a:extLst>
-          </p:cNvPr>
-          <p:cNvSpPr/>
-          <p:nvPr/>
-        </p:nvSpPr>
-        <p:spPr>
-          <a:xfrm>
-            <a:off x="10237022" y="0"/>
-            <a:ext cx="1954978" cy="2775098"/>
-          </a:xfrm>
-          <a:prstGeom prst="rect">
-            <a:avLst/>
-          </a:prstGeom>
-          <a:solidFill>
-            <a:srgbClr val="C00000"/>
-          </a:solidFill>
-          <a:ln>
-            <a:noFill/>
-          </a:ln>
-        </p:spPr>
-        <p:style>
-          <a:lnRef idx="2">
-            <a:schemeClr val="accent1">
-              <a:shade val="50000"/>
-            </a:schemeClr>
-          </a:lnRef>
-          <a:fillRef idx="1">
-            <a:schemeClr val="accent1"/>
-          </a:fillRef>
-          <a:effectRef idx="0">
-            <a:schemeClr val="accent1"/>
-          </a:effectRef>
-          <a:fontRef idx="minor">
-            <a:schemeClr val="lt1"/>
-          </a:fontRef>
-        </p:style>
-        <p:txBody>
-          <a:bodyPr rtlCol="0" anchor="ctr"/>
-          <a:lstStyle/>
-          <a:p>
-            <a:pPr algn="ctr"/>
-            <a:r>
-              <a:rPr lang="en-US" dirty="0"/>
-              <a:t>Kill </a:t>
-            </a:r>
-            <a:r>
-              <a:rPr lang="en-US" dirty="0" err="1"/>
-              <a:t>Tensorflow</a:t>
-            </a:r>
-            <a:r>
-              <a:rPr lang="en-US" dirty="0"/>
-              <a:t> &amp; TBD from step 6</a:t>
-            </a:r>
-          </a:p>
-          <a:p>
-            <a:pPr algn="ctr"/>
-            <a:endParaRPr lang="en-US" dirty="0"/>
-          </a:p>
-          <a:p>
-            <a:pPr algn="ctr"/>
-            <a:r>
-              <a:rPr lang="en-US" dirty="0"/>
-              <a:t>&amp; add in Excel between steps 1 &amp; 2</a:t>
-            </a:r>
-          </a:p>
-        </p:txBody>
-      </p:sp>
     </p:spTree>
     <p:extLst>
       <p:ext uri="{BB962C8B-B14F-4D97-AF65-F5344CB8AC3E}">
@@ -5430,63 +5465,123 @@
       </p:pic>
       <p:sp>
         <p:nvSpPr>
-          <p:cNvPr id="4" name="Rectangle 3">
-            <a:extLst>
-              <a:ext uri="{FF2B5EF4-FFF2-40B4-BE49-F238E27FC236}">
-                <a16:creationId xmlns:a16="http://schemas.microsoft.com/office/drawing/2014/main" id="{6A980B07-44F5-314A-AAE7-447DEF7B2F8A}"/>
-              </a:ext>
-            </a:extLst>
-          </p:cNvPr>
-          <p:cNvSpPr/>
+          <p:cNvPr id="3" name="TextBox 2">
+            <a:extLst>
+              <a:ext uri="{FF2B5EF4-FFF2-40B4-BE49-F238E27FC236}">
+                <a16:creationId xmlns:a16="http://schemas.microsoft.com/office/drawing/2014/main" id="{D98D22CE-3049-0C40-A92C-6E3F1A15048D}"/>
+              </a:ext>
+            </a:extLst>
+          </p:cNvPr>
+          <p:cNvSpPr txBox="1"/>
           <p:nvPr/>
         </p:nvSpPr>
         <p:spPr>
           <a:xfrm>
-            <a:off x="10237022" y="0"/>
-            <a:ext cx="1954978" cy="770467"/>
+            <a:off x="3367144" y="5676328"/>
+            <a:ext cx="473206" cy="261610"/>
           </a:xfrm>
           <a:prstGeom prst="rect">
             <a:avLst/>
           </a:prstGeom>
-          <a:solidFill>
-            <a:srgbClr val="C00000"/>
-          </a:solidFill>
-          <a:ln>
-            <a:noFill/>
-          </a:ln>
+          <a:noFill/>
         </p:spPr>
-        <p:style>
-          <a:lnRef idx="2">
-            <a:schemeClr val="accent1">
-              <a:shade val="50000"/>
-            </a:schemeClr>
-          </a:lnRef>
-          <a:fillRef idx="1">
-            <a:schemeClr val="accent1"/>
-          </a:fillRef>
-          <a:effectRef idx="0">
-            <a:schemeClr val="accent1"/>
-          </a:effectRef>
-          <a:fontRef idx="minor">
-            <a:schemeClr val="lt1"/>
-          </a:fontRef>
-        </p:style>
-        <p:txBody>
-          <a:bodyPr rtlCol="0" anchor="ctr"/>
-          <a:lstStyle/>
-          <a:p>
-            <a:pPr algn="ctr"/>
-            <a:r>
-              <a:rPr lang="en-US" dirty="0"/>
-              <a:t>Add in </a:t>
-            </a:r>
-            <a:r>
-              <a:rPr lang="en-US" dirty="0" err="1"/>
-              <a:t>horz</a:t>
-            </a:r>
-            <a:r>
-              <a:rPr lang="en-US" dirty="0"/>
-              <a:t> axis 2006 - 2020</a:t>
+        <p:txBody>
+          <a:bodyPr wrap="none" rtlCol="0">
+            <a:spAutoFit/>
+          </a:bodyPr>
+          <a:lstStyle/>
+          <a:p>
+            <a:r>
+              <a:rPr lang="en-US" sz="1100" dirty="0">
+                <a:solidFill>
+                  <a:schemeClr val="accent3">
+                    <a:lumMod val="75000"/>
+                  </a:schemeClr>
+                </a:solidFill>
+              </a:rPr>
+              <a:t>2006</a:t>
+            </a:r>
+          </a:p>
+        </p:txBody>
+      </p:sp>
+      <p:sp>
+        <p:nvSpPr>
+          <p:cNvPr id="6" name="TextBox 5">
+            <a:extLst>
+              <a:ext uri="{FF2B5EF4-FFF2-40B4-BE49-F238E27FC236}">
+                <a16:creationId xmlns:a16="http://schemas.microsoft.com/office/drawing/2014/main" id="{47E51564-2420-D245-8532-25FC0EA3A920}"/>
+              </a:ext>
+            </a:extLst>
+          </p:cNvPr>
+          <p:cNvSpPr txBox="1"/>
+          <p:nvPr/>
+        </p:nvSpPr>
+        <p:spPr>
+          <a:xfrm>
+            <a:off x="8726245" y="5676328"/>
+            <a:ext cx="473206" cy="261610"/>
+          </a:xfrm>
+          <a:prstGeom prst="rect">
+            <a:avLst/>
+          </a:prstGeom>
+          <a:noFill/>
+        </p:spPr>
+        <p:txBody>
+          <a:bodyPr wrap="none" rtlCol="0">
+            <a:spAutoFit/>
+          </a:bodyPr>
+          <a:lstStyle/>
+          <a:p>
+            <a:r>
+              <a:rPr lang="en-US" sz="1100" dirty="0">
+                <a:solidFill>
+                  <a:schemeClr val="accent3">
+                    <a:lumMod val="75000"/>
+                  </a:schemeClr>
+                </a:solidFill>
+              </a:rPr>
+              <a:t>2020</a:t>
+            </a:r>
+          </a:p>
+        </p:txBody>
+      </p:sp>
+      <p:sp>
+        <p:nvSpPr>
+          <p:cNvPr id="7" name="TextBox 6">
+            <a:extLst>
+              <a:ext uri="{FF2B5EF4-FFF2-40B4-BE49-F238E27FC236}">
+                <a16:creationId xmlns:a16="http://schemas.microsoft.com/office/drawing/2014/main" id="{FE1BD13C-1172-3248-8F8C-81289E65C6B4}"/>
+              </a:ext>
+            </a:extLst>
+          </p:cNvPr>
+          <p:cNvSpPr txBox="1"/>
+          <p:nvPr/>
+        </p:nvSpPr>
+        <p:spPr>
+          <a:xfrm>
+            <a:off x="6060319" y="5828649"/>
+            <a:ext cx="445956" cy="261610"/>
+          </a:xfrm>
+          <a:prstGeom prst="rect">
+            <a:avLst/>
+          </a:prstGeom>
+          <a:noFill/>
+        </p:spPr>
+        <p:txBody>
+          <a:bodyPr wrap="none" rtlCol="0">
+            <a:spAutoFit/>
+          </a:bodyPr>
+          <a:lstStyle/>
+          <a:p>
+            <a:r>
+              <a:rPr lang="en-US" sz="1100" i="1" dirty="0">
+                <a:solidFill>
+                  <a:schemeClr val="accent3">
+                    <a:lumMod val="75000"/>
+                  </a:schemeClr>
+                </a:solidFill>
+              </a:rPr>
+              <a:t>time</a:t>
             </a:r>
           </a:p>
         </p:txBody>
@@ -5526,7 +5621,7 @@
           <p:cNvPr id="2" name="Title 1">
             <a:extLst>
               <a:ext uri="{FF2B5EF4-FFF2-40B4-BE49-F238E27FC236}">
-                <a16:creationId xmlns:a16="http://schemas.microsoft.com/office/drawing/2014/main" id="{EC9BA19B-79D9-DD4E-B693-38EEA510227C}"/>
+                <a16:creationId xmlns:a16="http://schemas.microsoft.com/office/drawing/2014/main" id="{81D83934-187E-794E-913A-B36CA0BD394D}"/>
               </a:ext>
             </a:extLst>
           </p:cNvPr>
@@ -5544,96 +5639,74 @@
           <a:p>
             <a:r>
               <a:rPr lang="en-US" dirty="0"/>
-              <a:t>Machine Learning Model</a:t>
-            </a:r>
-          </a:p>
-        </p:txBody>
-      </p:sp>
-      <p:sp>
-        <p:nvSpPr>
-          <p:cNvPr id="3" name="Content Placeholder 2">
-            <a:extLst>
-              <a:ext uri="{FF2B5EF4-FFF2-40B4-BE49-F238E27FC236}">
-                <a16:creationId xmlns:a16="http://schemas.microsoft.com/office/drawing/2014/main" id="{C7BA085C-BB46-AB4C-8239-E9509A51F303}"/>
-              </a:ext>
-            </a:extLst>
-          </p:cNvPr>
-          <p:cNvSpPr>
-            <a:spLocks noGrp="1"/>
-          </p:cNvSpPr>
-          <p:nvPr>
-            <p:ph idx="1"/>
-          </p:nvPr>
-        </p:nvSpPr>
+              <a:t>Correlation Analysis Among Inputs</a:t>
+            </a:r>
+          </a:p>
+        </p:txBody>
+      </p:sp>
+      <p:pic>
+        <p:nvPicPr>
+          <p:cNvPr id="4" name="Picture 3">
+            <a:extLst>
+              <a:ext uri="{FF2B5EF4-FFF2-40B4-BE49-F238E27FC236}">
+                <a16:creationId xmlns:a16="http://schemas.microsoft.com/office/drawing/2014/main" id="{F383E321-D2B0-AF4C-8BC5-E0FD39A20FFF}"/>
+              </a:ext>
+            </a:extLst>
+          </p:cNvPr>
+          <p:cNvPicPr>
+            <a:picLocks noChangeAspect="1"/>
+          </p:cNvPicPr>
+          <p:nvPr/>
+        </p:nvPicPr>
+        <p:blipFill rotWithShape="1">
+          <a:blip r:embed="rId2"/>
+          <a:srcRect t="3754" b="5976"/>
+          <a:stretch/>
+        </p:blipFill>
         <p:spPr>
           <a:xfrm>
-            <a:off x="838200" y="1690688"/>
-            <a:ext cx="10515600" cy="4351338"/>
+            <a:off x="838199" y="1690688"/>
+            <a:ext cx="4948825" cy="4413718"/>
           </a:xfrm>
+          <a:prstGeom prst="rect">
+            <a:avLst/>
+          </a:prstGeom>
         </p:spPr>
-        <p:txBody>
-          <a:bodyPr>
-            <a:normAutofit/>
-          </a:bodyPr>
-          <a:lstStyle/>
-          <a:p>
-            <a:r>
-              <a:rPr lang="en-US" sz="2400" dirty="0"/>
-              <a:t>Since we are using an input (economic features) to predict an output (genre media) and interpretability and accuracy are important, the Machine Learning Model selected is a </a:t>
-            </a:r>
-            <a:r>
-              <a:rPr lang="en-US" sz="2400" b="1" dirty="0"/>
-              <a:t>Supervised Random Forest Model</a:t>
-            </a:r>
-            <a:endParaRPr lang="en-US" sz="2400" dirty="0"/>
-          </a:p>
-          <a:p>
-            <a:pPr marL="971550" lvl="1" indent="-514350">
-              <a:buFont typeface="+mj-lt"/>
-              <a:buAutoNum type="arabicPeriod"/>
-            </a:pPr>
-            <a:r>
-              <a:rPr lang="en-US" sz="2000" dirty="0"/>
-              <a:t>The "X" for each model applied was economic </a:t>
-            </a:r>
-            <a:r>
-              <a:rPr lang="en-US" sz="2000" dirty="0" err="1"/>
-              <a:t>dataframe</a:t>
-            </a:r>
-            <a:r>
-              <a:rPr lang="en-US" sz="2000" dirty="0"/>
-              <a:t>. A model was created looping through each genre, using each as the "y" (dependent variable).</a:t>
-            </a:r>
-          </a:p>
-          <a:p>
-            <a:pPr marL="971550" lvl="1" indent="-514350">
-              <a:buFont typeface="+mj-lt"/>
-              <a:buAutoNum type="arabicPeriod"/>
-            </a:pPr>
-            <a:r>
-              <a:rPr lang="en-US" sz="2000" dirty="0"/>
-              <a:t>Linear regression (least squares) model attempt: We did not split data into training and test sets, as only 5 factors to apply to the economic conditions. Overfitting was not a concern. Calculated the r-squared coefficient for the model, plotted the fitted "y" vs. the actual y data</a:t>
-            </a:r>
-          </a:p>
-          <a:p>
-            <a:pPr marL="971550" lvl="1" indent="-514350">
-              <a:buFont typeface="+mj-lt"/>
-              <a:buAutoNum type="arabicPeriod"/>
-            </a:pPr>
-            <a:r>
-              <a:rPr lang="en-US" sz="2000" dirty="0"/>
-              <a:t>Decision tree model attempt: We used the Scikit-learn to create training and test sets, then graphed the predicted and actual y test values</a:t>
-            </a:r>
-          </a:p>
-          <a:p>
-            <a:endParaRPr lang="en-US" sz="2400" dirty="0"/>
-          </a:p>
-        </p:txBody>
-      </p:sp>
+      </p:pic>
+      <p:pic>
+        <p:nvPicPr>
+          <p:cNvPr id="5" name="Picture 4">
+            <a:extLst>
+              <a:ext uri="{FF2B5EF4-FFF2-40B4-BE49-F238E27FC236}">
+                <a16:creationId xmlns:a16="http://schemas.microsoft.com/office/drawing/2014/main" id="{C87A177A-6BDA-B548-8BD4-C9FE30DECF63}"/>
+              </a:ext>
+            </a:extLst>
+          </p:cNvPr>
+          <p:cNvPicPr>
+            <a:picLocks noChangeAspect="1"/>
+          </p:cNvPicPr>
+          <p:nvPr/>
+        </p:nvPicPr>
+        <p:blipFill>
+          <a:blip r:embed="rId3"/>
+          <a:stretch>
+            <a:fillRect/>
+          </a:stretch>
+        </p:blipFill>
+        <p:spPr>
+          <a:xfrm>
+            <a:off x="6404978" y="1635053"/>
+            <a:ext cx="4948824" cy="4469353"/>
+          </a:xfrm>
+          <a:prstGeom prst="rect">
+            <a:avLst/>
+          </a:prstGeom>
+        </p:spPr>
+      </p:pic>
     </p:spTree>
     <p:extLst>
       <p:ext uri="{BB962C8B-B14F-4D97-AF65-F5344CB8AC3E}">
-        <p14:creationId xmlns:p14="http://schemas.microsoft.com/office/powerpoint/2010/main" val="3128313440"/>
+        <p14:creationId xmlns:p14="http://schemas.microsoft.com/office/powerpoint/2010/main" val="3689177848"/>
       </p:ext>
     </p:extLst>
   </p:cSld>
@@ -5665,7 +5738,7 @@
           <p:cNvPr id="2" name="Title 1">
             <a:extLst>
               <a:ext uri="{FF2B5EF4-FFF2-40B4-BE49-F238E27FC236}">
-                <a16:creationId xmlns:a16="http://schemas.microsoft.com/office/drawing/2014/main" id="{4EE9D609-D838-C54C-86EE-853B886485C2}"/>
+                <a16:creationId xmlns:a16="http://schemas.microsoft.com/office/drawing/2014/main" id="{EC9BA19B-79D9-DD4E-B693-38EEA510227C}"/>
               </a:ext>
             </a:extLst>
           </p:cNvPr>
@@ -5683,107 +5756,96 @@
           <a:p>
             <a:r>
               <a:rPr lang="en-US" dirty="0"/>
-              <a:t>Linear Regression Outputs</a:t>
-            </a:r>
-          </a:p>
-        </p:txBody>
-      </p:sp>
-      <p:pic>
-        <p:nvPicPr>
-          <p:cNvPr id="5" name="Content Placeholder 4">
-            <a:extLst>
-              <a:ext uri="{FF2B5EF4-FFF2-40B4-BE49-F238E27FC236}">
-                <a16:creationId xmlns:a16="http://schemas.microsoft.com/office/drawing/2014/main" id="{3D1AEE9D-B663-3347-97DA-61DEBC7EC286}"/>
-              </a:ext>
-            </a:extLst>
-          </p:cNvPr>
-          <p:cNvPicPr>
-            <a:picLocks noGrp="1" noChangeAspect="1"/>
-          </p:cNvPicPr>
+              <a:t>Machine Learning Model</a:t>
+            </a:r>
+          </a:p>
+        </p:txBody>
+      </p:sp>
+      <p:sp>
+        <p:nvSpPr>
+          <p:cNvPr id="3" name="Content Placeholder 2">
+            <a:extLst>
+              <a:ext uri="{FF2B5EF4-FFF2-40B4-BE49-F238E27FC236}">
+                <a16:creationId xmlns:a16="http://schemas.microsoft.com/office/drawing/2014/main" id="{C7BA085C-BB46-AB4C-8239-E9509A51F303}"/>
+              </a:ext>
+            </a:extLst>
+          </p:cNvPr>
+          <p:cNvSpPr>
+            <a:spLocks noGrp="1"/>
+          </p:cNvSpPr>
           <p:nvPr>
             <p:ph idx="1"/>
           </p:nvPr>
-        </p:nvPicPr>
-        <p:blipFill>
-          <a:blip r:embed="rId2"/>
-          <a:stretch>
-            <a:fillRect/>
-          </a:stretch>
-        </p:blipFill>
+        </p:nvSpPr>
         <p:spPr>
           <a:xfrm>
-            <a:off x="1689263" y="1690688"/>
-            <a:ext cx="8813473" cy="4351338"/>
+            <a:off x="838200" y="1690688"/>
+            <a:ext cx="10515600" cy="4351338"/>
           </a:xfrm>
         </p:spPr>
-      </p:pic>
-      <p:sp>
-        <p:nvSpPr>
-          <p:cNvPr id="4" name="Rectangle 3">
-            <a:extLst>
-              <a:ext uri="{FF2B5EF4-FFF2-40B4-BE49-F238E27FC236}">
-                <a16:creationId xmlns:a16="http://schemas.microsoft.com/office/drawing/2014/main" id="{218FF7DC-30FA-0A4B-B91D-BDBC5CA366F0}"/>
-              </a:ext>
-            </a:extLst>
-          </p:cNvPr>
-          <p:cNvSpPr/>
-          <p:nvPr/>
-        </p:nvSpPr>
-        <p:spPr>
-          <a:xfrm>
-            <a:off x="10237022" y="0"/>
-            <a:ext cx="1954978" cy="770467"/>
-          </a:xfrm>
-          <a:prstGeom prst="rect">
-            <a:avLst/>
-          </a:prstGeom>
-          <a:solidFill>
-            <a:srgbClr val="C00000"/>
-          </a:solidFill>
-          <a:ln>
-            <a:noFill/>
-          </a:ln>
-        </p:spPr>
-        <p:style>
-          <a:lnRef idx="2">
-            <a:schemeClr val="accent1">
-              <a:shade val="50000"/>
-            </a:schemeClr>
-          </a:lnRef>
-          <a:fillRef idx="1">
-            <a:schemeClr val="accent1"/>
-          </a:fillRef>
-          <a:effectRef idx="0">
-            <a:schemeClr val="accent1"/>
-          </a:effectRef>
-          <a:fontRef idx="minor">
-            <a:schemeClr val="lt1"/>
-          </a:fontRef>
-        </p:style>
-        <p:txBody>
-          <a:bodyPr rtlCol="0" anchor="ctr"/>
-          <a:lstStyle/>
-          <a:p>
-            <a:pPr algn="ctr"/>
-            <a:r>
-              <a:rPr lang="en-US" dirty="0"/>
-              <a:t>Add update from </a:t>
-            </a:r>
-            <a:r>
-              <a:rPr lang="en-US" dirty="0" err="1"/>
-              <a:t>github</a:t>
-            </a:r>
-            <a:r>
-              <a:rPr lang="en-US" dirty="0"/>
-              <a:t> readme</a:t>
-            </a:r>
+        <p:txBody>
+          <a:bodyPr>
+            <a:normAutofit/>
+          </a:bodyPr>
+          <a:lstStyle/>
+          <a:p>
+            <a:r>
+              <a:rPr lang="en-US" sz="2400" dirty="0"/>
+              <a:t>Since we are using an input (economic features) to predict an output (genre media) and interpretability and accuracy are important, the Machine Learning Model selected is a </a:t>
+            </a:r>
+            <a:r>
+              <a:rPr lang="en-US" sz="2400" b="1" dirty="0"/>
+              <a:t>Supervised Random Forest Model</a:t>
+            </a:r>
+            <a:endParaRPr lang="en-US" sz="2400" dirty="0"/>
+          </a:p>
+          <a:p>
+            <a:pPr marL="971550" lvl="1" indent="-514350">
+              <a:buFont typeface="+mj-lt"/>
+              <a:buAutoNum type="arabicPeriod"/>
+            </a:pPr>
+            <a:r>
+              <a:rPr lang="en-US" sz="2000" dirty="0"/>
+              <a:t>The "X" for each model applied was economic </a:t>
+            </a:r>
+            <a:r>
+              <a:rPr lang="en-US" sz="2000" dirty="0" err="1"/>
+              <a:t>dataframe</a:t>
+            </a:r>
+            <a:r>
+              <a:rPr lang="en-US" sz="2000" dirty="0"/>
+              <a:t>. A model was created looping through each genre, using each as the "y" (dependent variable).</a:t>
+            </a:r>
+          </a:p>
+          <a:p>
+            <a:pPr marL="971550" lvl="1" indent="-514350">
+              <a:buFont typeface="+mj-lt"/>
+              <a:buAutoNum type="arabicPeriod"/>
+            </a:pPr>
+            <a:r>
+              <a:rPr lang="en-US" sz="2000" dirty="0"/>
+              <a:t>Linear regression (least squares) model attempt: We did not split data into training and test sets, as only 5 factors to apply to the economic conditions. Overfitting was not a concern. Calculated the r-squared coefficient for the model, plotted the fitted "y" vs. the actual y data</a:t>
+            </a:r>
+          </a:p>
+          <a:p>
+            <a:pPr marL="971550" lvl="1" indent="-514350">
+              <a:buFont typeface="+mj-lt"/>
+              <a:buAutoNum type="arabicPeriod"/>
+            </a:pPr>
+            <a:r>
+              <a:rPr lang="en-US" sz="2000" dirty="0"/>
+              <a:t>Decision tree model attempt: We used the Scikit-learn to create training and test sets, then graphed the predicted and actual y test values</a:t>
+            </a:r>
+          </a:p>
+          <a:p>
+            <a:endParaRPr lang="en-US" sz="2400" dirty="0"/>
           </a:p>
         </p:txBody>
       </p:sp>
     </p:spTree>
     <p:extLst>
       <p:ext uri="{BB962C8B-B14F-4D97-AF65-F5344CB8AC3E}">
-        <p14:creationId xmlns:p14="http://schemas.microsoft.com/office/powerpoint/2010/main" val="3992254660"/>
+        <p14:creationId xmlns:p14="http://schemas.microsoft.com/office/powerpoint/2010/main" val="3128313440"/>
       </p:ext>
     </p:extLst>
   </p:cSld>
@@ -5815,7 +5877,7 @@
           <p:cNvPr id="2" name="Title 1">
             <a:extLst>
               <a:ext uri="{FF2B5EF4-FFF2-40B4-BE49-F238E27FC236}">
-                <a16:creationId xmlns:a16="http://schemas.microsoft.com/office/drawing/2014/main" id="{29C5EC0C-9351-854A-A0D3-D96163114CFE}"/>
+                <a16:creationId xmlns:a16="http://schemas.microsoft.com/office/drawing/2014/main" id="{4EE9D609-D838-C54C-86EE-853B886485C2}"/>
               </a:ext>
             </a:extLst>
           </p:cNvPr>
@@ -5833,26 +5895,24 @@
           <a:p>
             <a:r>
               <a:rPr lang="en-US" dirty="0"/>
-              <a:t>Decision Tree Outputs</a:t>
+              <a:t>Linear Regression Outputs</a:t>
             </a:r>
           </a:p>
         </p:txBody>
       </p:sp>
       <p:pic>
         <p:nvPicPr>
-          <p:cNvPr id="5" name="Content Placeholder 4">
-            <a:extLst>
-              <a:ext uri="{FF2B5EF4-FFF2-40B4-BE49-F238E27FC236}">
-                <a16:creationId xmlns:a16="http://schemas.microsoft.com/office/drawing/2014/main" id="{99DF9829-1B5D-9140-8AAC-E27FA13E9ACA}"/>
+          <p:cNvPr id="8" name="Picture 7">
+            <a:extLst>
+              <a:ext uri="{FF2B5EF4-FFF2-40B4-BE49-F238E27FC236}">
+                <a16:creationId xmlns:a16="http://schemas.microsoft.com/office/drawing/2014/main" id="{07045F15-9979-1745-8068-731D154AD14C}"/>
               </a:ext>
             </a:extLst>
           </p:cNvPr>
           <p:cNvPicPr>
-            <a:picLocks noGrp="1" noChangeAspect="1"/>
+            <a:picLocks noChangeAspect="1"/>
           </p:cNvPicPr>
-          <p:nvPr>
-            <p:ph idx="1"/>
-          </p:nvPr>
+          <p:nvPr/>
         </p:nvPicPr>
         <p:blipFill>
           <a:blip r:embed="rId2"/>
@@ -5862,70 +5922,92 @@
         </p:blipFill>
         <p:spPr>
           <a:xfrm>
-            <a:off x="1362674" y="1690688"/>
-            <a:ext cx="9466651" cy="4351338"/>
-          </a:xfrm>
-        </p:spPr>
-      </p:pic>
-      <p:sp>
-        <p:nvSpPr>
-          <p:cNvPr id="6" name="Rectangle 5">
-            <a:extLst>
-              <a:ext uri="{FF2B5EF4-FFF2-40B4-BE49-F238E27FC236}">
-                <a16:creationId xmlns:a16="http://schemas.microsoft.com/office/drawing/2014/main" id="{409F7A5A-7DEE-CD42-A543-77C5C01426AC}"/>
-              </a:ext>
-            </a:extLst>
-          </p:cNvPr>
-          <p:cNvSpPr/>
-          <p:nvPr/>
-        </p:nvSpPr>
-        <p:spPr>
-          <a:xfrm>
-            <a:off x="10237022" y="0"/>
-            <a:ext cx="1954978" cy="770467"/>
+            <a:off x="2131742" y="1498164"/>
+            <a:ext cx="8554818" cy="4693268"/>
           </a:xfrm>
           <a:prstGeom prst="rect">
             <a:avLst/>
           </a:prstGeom>
-          <a:solidFill>
-            <a:srgbClr val="C00000"/>
-          </a:solidFill>
-          <a:ln>
-            <a:noFill/>
-          </a:ln>
         </p:spPr>
-        <p:style>
-          <a:lnRef idx="2">
-            <a:schemeClr val="accent1">
-              <a:shade val="50000"/>
-            </a:schemeClr>
-          </a:lnRef>
-          <a:fillRef idx="1">
-            <a:schemeClr val="accent1"/>
-          </a:fillRef>
-          <a:effectRef idx="0">
-            <a:schemeClr val="accent1"/>
-          </a:effectRef>
-          <a:fontRef idx="minor">
-            <a:schemeClr val="lt1"/>
-          </a:fontRef>
-        </p:style>
-        <p:txBody>
-          <a:bodyPr rtlCol="0" anchor="ctr"/>
-          <a:lstStyle/>
-          <a:p>
-            <a:pPr algn="ctr"/>
-            <a:r>
-              <a:rPr lang="en-US" dirty="0"/>
-              <a:t>Add update from </a:t>
-            </a:r>
-            <a:r>
-              <a:rPr lang="en-US" dirty="0" err="1"/>
-              <a:t>github</a:t>
-            </a:r>
-            <a:r>
-              <a:rPr lang="en-US" dirty="0"/>
-              <a:t> readme</a:t>
+      </p:pic>
+      <p:sp>
+        <p:nvSpPr>
+          <p:cNvPr id="9" name="TextBox 8">
+            <a:extLst>
+              <a:ext uri="{FF2B5EF4-FFF2-40B4-BE49-F238E27FC236}">
+                <a16:creationId xmlns:a16="http://schemas.microsoft.com/office/drawing/2014/main" id="{A6073B99-0C3E-EB47-90FB-3B42FAF1E377}"/>
+              </a:ext>
+            </a:extLst>
+          </p:cNvPr>
+          <p:cNvSpPr txBox="1"/>
+          <p:nvPr/>
+        </p:nvSpPr>
+        <p:spPr>
+          <a:xfrm rot="16200000">
+            <a:off x="1817874" y="2806281"/>
+            <a:ext cx="873957" cy="246221"/>
+          </a:xfrm>
+          <a:prstGeom prst="rect">
+            <a:avLst/>
+          </a:prstGeom>
+          <a:noFill/>
+        </p:spPr>
+        <p:txBody>
+          <a:bodyPr wrap="none" rtlCol="0">
+            <a:spAutoFit/>
+          </a:bodyPr>
+          <a:lstStyle/>
+          <a:p>
+            <a:r>
+              <a:rPr lang="en-US" sz="1000" dirty="0">
+                <a:solidFill>
+                  <a:schemeClr val="accent3">
+                    <a:lumMod val="75000"/>
+                  </a:schemeClr>
+                </a:solidFill>
+              </a:rPr>
+              <a:t>market share</a:t>
+            </a:r>
+          </a:p>
+        </p:txBody>
+      </p:sp>
+      <p:sp>
+        <p:nvSpPr>
+          <p:cNvPr id="10" name="TextBox 9">
+            <a:extLst>
+              <a:ext uri="{FF2B5EF4-FFF2-40B4-BE49-F238E27FC236}">
+                <a16:creationId xmlns:a16="http://schemas.microsoft.com/office/drawing/2014/main" id="{CF6A0BE2-F425-6749-86D6-D1421E1D20E9}"/>
+              </a:ext>
+            </a:extLst>
+          </p:cNvPr>
+          <p:cNvSpPr txBox="1"/>
+          <p:nvPr/>
+        </p:nvSpPr>
+        <p:spPr>
+          <a:xfrm rot="16200000">
+            <a:off x="1817874" y="4912742"/>
+            <a:ext cx="873957" cy="246221"/>
+          </a:xfrm>
+          <a:prstGeom prst="rect">
+            <a:avLst/>
+          </a:prstGeom>
+          <a:noFill/>
+        </p:spPr>
+        <p:txBody>
+          <a:bodyPr wrap="none" rtlCol="0">
+            <a:spAutoFit/>
+          </a:bodyPr>
+          <a:lstStyle/>
+          <a:p>
+            <a:r>
+              <a:rPr lang="en-US" sz="1000" dirty="0">
+                <a:solidFill>
+                  <a:schemeClr val="accent3">
+                    <a:lumMod val="75000"/>
+                  </a:schemeClr>
+                </a:solidFill>
+              </a:rPr>
+              <a:t>market share</a:t>
             </a:r>
           </a:p>
         </p:txBody>
@@ -5933,7 +6015,7 @@
     </p:spTree>
     <p:extLst>
       <p:ext uri="{BB962C8B-B14F-4D97-AF65-F5344CB8AC3E}">
-        <p14:creationId xmlns:p14="http://schemas.microsoft.com/office/powerpoint/2010/main" val="2707880587"/>
+        <p14:creationId xmlns:p14="http://schemas.microsoft.com/office/powerpoint/2010/main" val="3992254660"/>
       </p:ext>
     </p:extLst>
   </p:cSld>
